--- a/trunk/analysis/Using_DB_FRA_Analysis.pptx
+++ b/trunk/analysis/Using_DB_FRA_Analysis.pptx
@@ -3119,14 +3119,22 @@
           </a:xfrm>
         </p:spPr>
         <p:txBody>
-          <a:bodyPr/>
-          <a:lstStyle/>
-          <a:p>
-            <a:r>
-              <a:rPr lang="en-US" dirty="0" err="1" smtClean="0"/>
+          <a:bodyPr>
+            <a:normAutofit/>
+          </a:bodyPr>
+          <a:lstStyle/>
+          <a:p>
+            <a:r>
+              <a:rPr lang="en-US" sz="2800" dirty="0" err="1" smtClean="0">
+                <a:latin typeface="Courier New" panose="02070309020205020404" pitchFamily="49" charset="0"/>
+                <a:cs typeface="Courier New" panose="02070309020205020404" pitchFamily="49" charset="0"/>
+              </a:rPr>
               <a:t>DB_FRA_Analysis_GUI</a:t>
             </a:r>
-            <a:endParaRPr lang="en-CA" dirty="0"/>
+            <a:endParaRPr lang="en-CA" sz="2800" dirty="0">
+              <a:latin typeface="Courier New" panose="02070309020205020404" pitchFamily="49" charset="0"/>
+              <a:cs typeface="Courier New" panose="02070309020205020404" pitchFamily="49" charset="0"/>
+            </a:endParaRPr>
           </a:p>
         </p:txBody>
       </p:sp>
@@ -3326,51 +3334,6 @@
                 </a:r>
               </a:p>
               <a:p>
-                <a:pPr marL="1257300" lvl="2" indent="-342900" algn="l">
-                  <a:buFont typeface="Arial" panose="020B0604020202020204" pitchFamily="34" charset="0"/>
-                  <a:buChar char="•"/>
-                </a:pPr>
-                <a:r>
-                  <a:rPr lang="en-US" sz="1200" dirty="0" smtClean="0">
-                    <a:solidFill>
-                      <a:schemeClr val="tx1"/>
-                    </a:solidFill>
-                  </a:rPr>
-                  <a:t>Monotonic response = 0.0</a:t>
-                </a:r>
-              </a:p>
-              <a:p>
-                <a:pPr marL="1257300" lvl="2" indent="-342900" algn="l">
-                  <a:buFont typeface="Arial" panose="020B0604020202020204" pitchFamily="34" charset="0"/>
-                  <a:buChar char="•"/>
-                </a:pPr>
-                <a:r>
-                  <a:rPr lang="en-US" sz="1200" dirty="0" smtClean="0">
-                    <a:solidFill>
-                      <a:schemeClr val="tx1"/>
-                    </a:solidFill>
-                  </a:rPr>
-                  <a:t>Non-Monotonic response </a:t>
-                </a:r>
-                <a:r>
-                  <a:rPr lang="en-US" sz="1200" dirty="0">
-                    <a:solidFill>
-                      <a:schemeClr val="tx1"/>
-                    </a:solidFill>
-                  </a:rPr>
-                  <a:t>&lt;</a:t>
-                </a:r>
-                <a:r>
-                  <a:rPr lang="en-US" sz="1200" dirty="0" smtClean="0">
-                    <a:solidFill>
-                      <a:schemeClr val="tx1"/>
-                    </a:solidFill>
-                  </a:rPr>
-                  <a:t> 0.0</a:t>
-                </a:r>
-                <a:endParaRPr lang="en-US" sz="1200" dirty="0" smtClean="0"/>
-              </a:p>
-              <a:p>
                 <a:pPr marL="342900" indent="-342900" algn="l">
                   <a:buFont typeface="Arial" panose="020B0604020202020204" pitchFamily="34" charset="0"/>
                   <a:buChar char="•"/>
@@ -5019,7 +4982,7 @@
         <p:spPr>
           <a:xfrm>
             <a:off x="1597131" y="464403"/>
-            <a:ext cx="7003944" cy="830997"/>
+            <a:ext cx="7003944" cy="1015663"/>
           </a:xfrm>
           <a:prstGeom prst="rect">
             <a:avLst/>
@@ -5075,6 +5038,27 @@
             <a:r>
               <a:rPr lang="en-US" sz="1200" dirty="0" smtClean="0"/>
               <a:t>Note: minimum threshold can only be adjusted to a higher level</a:t>
+            </a:r>
+          </a:p>
+          <a:p>
+            <a:pPr marL="285750" indent="-285750">
+              <a:buFont typeface="Arial" panose="020B0604020202020204" pitchFamily="34" charset="0"/>
+              <a:buChar char="•"/>
+            </a:pPr>
+            <a:r>
+              <a:rPr lang="en-US" sz="1200" dirty="0" smtClean="0"/>
+              <a:t>Uses the function: </a:t>
+            </a:r>
+            <a:r>
+              <a:rPr lang="en-US" sz="1200" dirty="0" err="1" smtClean="0">
+                <a:latin typeface="Courier New" panose="02070309020205020404" pitchFamily="49" charset="0"/>
+                <a:cs typeface="Courier New" panose="02070309020205020404" pitchFamily="49" charset="0"/>
+              </a:rPr>
+              <a:t>FRA_Analysis</a:t>
+            </a:r>
+            <a:r>
+              <a:rPr lang="en-US" sz="1200" dirty="0" smtClean="0"/>
+              <a:t> to compute features</a:t>
             </a:r>
             <a:endParaRPr lang="en-CA" sz="1200" dirty="0"/>
           </a:p>
@@ -6872,7 +6856,7 @@
         </p:blipFill>
         <p:spPr bwMode="auto">
           <a:xfrm>
-            <a:off x="2609273" y="1837891"/>
+            <a:off x="2526144" y="2667000"/>
             <a:ext cx="3925455" cy="3496109"/>
           </a:xfrm>
           <a:prstGeom prst="rect">
@@ -6911,7 +6895,7 @@
         </p:nvCxnSpPr>
         <p:spPr>
           <a:xfrm>
-            <a:off x="3962400" y="3366509"/>
+            <a:off x="3879271" y="4195618"/>
             <a:ext cx="604736" cy="92830"/>
           </a:xfrm>
           <a:prstGeom prst="straightConnector1">
@@ -6947,7 +6931,7 @@
         </p:nvSpPr>
         <p:spPr>
           <a:xfrm>
-            <a:off x="3389167" y="3106040"/>
+            <a:off x="3306038" y="3935149"/>
             <a:ext cx="1066800" cy="461665"/>
           </a:xfrm>
           <a:prstGeom prst="rect">
@@ -6977,8 +6961,8 @@
         </p:nvSpPr>
         <p:spPr>
           <a:xfrm>
-            <a:off x="4488872" y="4204709"/>
-            <a:ext cx="1378527" cy="646331"/>
+            <a:off x="4114801" y="5033818"/>
+            <a:ext cx="1981200" cy="461665"/>
           </a:xfrm>
           <a:prstGeom prst="rect">
             <a:avLst/>
@@ -6991,9 +6975,17 @@
           </a:bodyPr>
           <a:lstStyle/>
           <a:p>
+            <a:pPr algn="ctr"/>
             <a:r>
               <a:rPr lang="en-US" sz="1200" dirty="0" smtClean="0"/>
-              <a:t>Mean firing rate ±standard error of the mean</a:t>
+              <a:t>Mean firing rate </a:t>
+            </a:r>
+          </a:p>
+          <a:p>
+            <a:pPr algn="ctr"/>
+            <a:r>
+              <a:rPr lang="en-US" sz="1200" dirty="0" smtClean="0"/>
+              <a:t>±standard error of the mean</a:t>
             </a:r>
             <a:endParaRPr lang="en-CA" sz="1200" dirty="0"/>
           </a:p>
@@ -7007,7 +6999,7 @@
         </p:nvCxnSpPr>
         <p:spPr>
           <a:xfrm flipH="1" flipV="1">
-            <a:off x="4724400" y="3747509"/>
+            <a:off x="4641271" y="4576618"/>
             <a:ext cx="304800" cy="457200"/>
           </a:xfrm>
           <a:prstGeom prst="straightConnector1">
@@ -7076,7 +7068,7 @@
             <p:spPr>
               <a:xfrm>
                 <a:off x="1597131" y="501073"/>
-                <a:ext cx="6480069" cy="1169551"/>
+                <a:ext cx="6480069" cy="1754326"/>
               </a:xfrm>
               <a:prstGeom prst="rect">
                 <a:avLst/>
@@ -7155,6 +7147,37 @@
                   <a:rPr lang="en-US" sz="1400" dirty="0" smtClean="0"/>
                   <a:t>Monotonicity index is computed from D’ RLC as the minimum observed D’ at sound levels higher than the maximum firing rate level</a:t>
                 </a:r>
+              </a:p>
+              <a:p>
+                <a:pPr marL="1257300" lvl="2" indent="-342900">
+                  <a:buFont typeface="Arial" panose="020B0604020202020204" pitchFamily="34" charset="0"/>
+                  <a:buChar char="•"/>
+                </a:pPr>
+                <a:r>
+                  <a:rPr lang="en-US" sz="1200" dirty="0" smtClean="0">
+                    <a:solidFill>
+                      <a:schemeClr val="tx1"/>
+                    </a:solidFill>
+                  </a:rPr>
+                  <a:t>Monotonic response = 0.0</a:t>
+                </a:r>
+              </a:p>
+              <a:p>
+                <a:pPr marL="1257300" lvl="2" indent="-342900">
+                  <a:buFont typeface="Arial" panose="020B0604020202020204" pitchFamily="34" charset="0"/>
+                  <a:buChar char="•"/>
+                </a:pPr>
+                <a:r>
+                  <a:rPr lang="en-US" sz="1200" dirty="0" smtClean="0">
+                    <a:solidFill>
+                      <a:schemeClr val="tx1"/>
+                    </a:solidFill>
+                  </a:rPr>
+                  <a:t>Non-Monotonic response &lt; 0.0</a:t>
+                </a:r>
+                <a:endParaRPr lang="en-US" sz="1200" dirty="0" smtClean="0"/>
+              </a:p>
+              <a:p>
                 <a:endParaRPr lang="en-CA" sz="1400" dirty="0"/>
               </a:p>
             </p:txBody>
@@ -7172,7 +7195,7 @@
             <p:spPr>
               <a:xfrm>
                 <a:off x="1597131" y="501073"/>
-                <a:ext cx="6480069" cy="1169551"/>
+                <a:ext cx="6480069" cy="1754326"/>
               </a:xfrm>
               <a:prstGeom prst="rect">
                 <a:avLst/>
@@ -7180,7 +7203,7 @@
               <a:blipFill rotWithShape="1">
                 <a:blip r:embed="rId3"/>
                 <a:stretch>
-                  <a:fillRect l="-188" t="-25000" r="-847" b="-4167"/>
+                  <a:fillRect l="-188" t="-16667" r="-847"/>
                 </a:stretch>
               </a:blipFill>
             </p:spPr>
@@ -7221,7 +7244,7 @@
         </p:blipFill>
         <p:spPr>
           <a:xfrm>
-            <a:off x="7620000" y="1718119"/>
+            <a:off x="7453177" y="1718119"/>
             <a:ext cx="1248045" cy="491840"/>
           </a:xfrm>
           <a:prstGeom prst="rect">
